--- a/Semana 14/Presentación.pptx
+++ b/Semana 14/Presentación.pptx
@@ -221,7 +221,7 @@
           <a:p>
             <a:fld id="{430AAACB-714D-4ED6-9BCD-E10DE1E326CF}" type="datetimeFigureOut">
               <a:rPr lang="es-CO" smtClean="0"/>
-              <a:t>3/05/20</a:t>
+              <a:t>3/05/2020</a:t>
             </a:fld>
             <a:endParaRPr lang="es-CO"/>
           </a:p>
@@ -380,7 +380,7 @@
           <a:p>
             <a:fld id="{B81D652A-642D-4AF5-99C3-EB7445F78768}" type="slidenum">
               <a:rPr lang="es-CO" smtClean="0"/>
-              <a:t>‹#›</a:t>
+              <a:t>‹Nº›</a:t>
             </a:fld>
             <a:endParaRPr lang="es-CO"/>
           </a:p>
@@ -715,7 +715,7 @@
           <a:p>
             <a:fld id="{C214C790-AC43-4046-BAB7-879940BCF0AB}" type="datetimeFigureOut">
               <a:rPr lang="es-CO" smtClean="0"/>
-              <a:t>3/05/20</a:t>
+              <a:t>3/05/2020</a:t>
             </a:fld>
             <a:endParaRPr lang="es-CO"/>
           </a:p>
@@ -757,7 +757,7 @@
           <a:p>
             <a:fld id="{566F944B-B6B4-43C3-BE7E-AF6D8C6774D1}" type="slidenum">
               <a:rPr lang="es-CO" smtClean="0"/>
-              <a:t>‹#›</a:t>
+              <a:t>‹Nº›</a:t>
             </a:fld>
             <a:endParaRPr lang="es-CO"/>
           </a:p>
@@ -923,7 +923,7 @@
           <a:p>
             <a:fld id="{C214C790-AC43-4046-BAB7-879940BCF0AB}" type="datetimeFigureOut">
               <a:rPr lang="es-CO" smtClean="0"/>
-              <a:t>3/05/20</a:t>
+              <a:t>3/05/2020</a:t>
             </a:fld>
             <a:endParaRPr lang="es-CO"/>
           </a:p>
@@ -965,7 +965,7 @@
           <a:p>
             <a:fld id="{566F944B-B6B4-43C3-BE7E-AF6D8C6774D1}" type="slidenum">
               <a:rPr lang="es-CO" smtClean="0"/>
-              <a:t>‹#›</a:t>
+              <a:t>‹Nº›</a:t>
             </a:fld>
             <a:endParaRPr lang="es-CO"/>
           </a:p>
@@ -1179,7 +1179,7 @@
           <a:p>
             <a:fld id="{C214C790-AC43-4046-BAB7-879940BCF0AB}" type="datetimeFigureOut">
               <a:rPr lang="es-CO" smtClean="0"/>
-              <a:t>3/05/20</a:t>
+              <a:t>3/05/2020</a:t>
             </a:fld>
             <a:endParaRPr lang="es-CO"/>
           </a:p>
@@ -1221,7 +1221,7 @@
           <a:p>
             <a:fld id="{566F944B-B6B4-43C3-BE7E-AF6D8C6774D1}" type="slidenum">
               <a:rPr lang="es-CO" smtClean="0"/>
-              <a:t>‹#›</a:t>
+              <a:t>‹Nº›</a:t>
             </a:fld>
             <a:endParaRPr lang="es-CO"/>
           </a:p>
@@ -1349,7 +1349,7 @@
           <a:p>
             <a:fld id="{C214C790-AC43-4046-BAB7-879940BCF0AB}" type="datetimeFigureOut">
               <a:rPr lang="es-CO" smtClean="0"/>
-              <a:t>3/05/20</a:t>
+              <a:t>3/05/2020</a:t>
             </a:fld>
             <a:endParaRPr lang="es-CO"/>
           </a:p>
@@ -1391,7 +1391,7 @@
           <a:p>
             <a:fld id="{566F944B-B6B4-43C3-BE7E-AF6D8C6774D1}" type="slidenum">
               <a:rPr lang="es-CO" smtClean="0"/>
-              <a:t>‹#›</a:t>
+              <a:t>‹Nº›</a:t>
             </a:fld>
             <a:endParaRPr lang="es-CO"/>
           </a:p>
@@ -1692,7 +1692,7 @@
           <a:p>
             <a:fld id="{C214C790-AC43-4046-BAB7-879940BCF0AB}" type="datetimeFigureOut">
               <a:rPr lang="es-CO" smtClean="0"/>
-              <a:t>3/05/20</a:t>
+              <a:t>3/05/2020</a:t>
             </a:fld>
             <a:endParaRPr lang="es-CO"/>
           </a:p>
@@ -1734,7 +1734,7 @@
           <a:p>
             <a:fld id="{566F944B-B6B4-43C3-BE7E-AF6D8C6774D1}" type="slidenum">
               <a:rPr lang="es-CO" smtClean="0"/>
-              <a:t>‹#›</a:t>
+              <a:t>‹Nº›</a:t>
             </a:fld>
             <a:endParaRPr lang="es-CO"/>
           </a:p>
@@ -1967,7 +1967,7 @@
           <a:p>
             <a:fld id="{C214C790-AC43-4046-BAB7-879940BCF0AB}" type="datetimeFigureOut">
               <a:rPr lang="es-CO" smtClean="0"/>
-              <a:t>3/05/20</a:t>
+              <a:t>3/05/2020</a:t>
             </a:fld>
             <a:endParaRPr lang="es-CO"/>
           </a:p>
@@ -2009,7 +2009,7 @@
           <a:p>
             <a:fld id="{566F944B-B6B4-43C3-BE7E-AF6D8C6774D1}" type="slidenum">
               <a:rPr lang="es-CO" smtClean="0"/>
-              <a:t>‹#›</a:t>
+              <a:t>‹Nº›</a:t>
             </a:fld>
             <a:endParaRPr lang="es-CO"/>
           </a:p>
@@ -2346,7 +2346,7 @@
           <a:p>
             <a:fld id="{C214C790-AC43-4046-BAB7-879940BCF0AB}" type="datetimeFigureOut">
               <a:rPr lang="es-CO" smtClean="0"/>
-              <a:t>3/05/20</a:t>
+              <a:t>3/05/2020</a:t>
             </a:fld>
             <a:endParaRPr lang="es-CO"/>
           </a:p>
@@ -2388,7 +2388,7 @@
           <a:p>
             <a:fld id="{566F944B-B6B4-43C3-BE7E-AF6D8C6774D1}" type="slidenum">
               <a:rPr lang="es-CO" smtClean="0"/>
-              <a:t>‹#›</a:t>
+              <a:t>‹Nº›</a:t>
             </a:fld>
             <a:endParaRPr lang="es-CO"/>
           </a:p>
@@ -2464,7 +2464,7 @@
           <a:p>
             <a:fld id="{C214C790-AC43-4046-BAB7-879940BCF0AB}" type="datetimeFigureOut">
               <a:rPr lang="es-CO" smtClean="0"/>
-              <a:t>3/05/20</a:t>
+              <a:t>3/05/2020</a:t>
             </a:fld>
             <a:endParaRPr lang="es-CO"/>
           </a:p>
@@ -2506,7 +2506,7 @@
           <a:p>
             <a:fld id="{566F944B-B6B4-43C3-BE7E-AF6D8C6774D1}" type="slidenum">
               <a:rPr lang="es-CO" smtClean="0"/>
-              <a:t>‹#›</a:t>
+              <a:t>‹Nº›</a:t>
             </a:fld>
             <a:endParaRPr lang="es-CO"/>
           </a:p>
@@ -2635,7 +2635,7 @@
           <a:p>
             <a:fld id="{C214C790-AC43-4046-BAB7-879940BCF0AB}" type="datetimeFigureOut">
               <a:rPr lang="es-CO" smtClean="0"/>
-              <a:t>3/05/20</a:t>
+              <a:t>3/05/2020</a:t>
             </a:fld>
             <a:endParaRPr lang="es-CO"/>
           </a:p>
@@ -2685,7 +2685,7 @@
           <a:p>
             <a:fld id="{566F944B-B6B4-43C3-BE7E-AF6D8C6774D1}" type="slidenum">
               <a:rPr lang="es-CO" smtClean="0"/>
-              <a:t>‹#›</a:t>
+              <a:t>‹Nº›</a:t>
             </a:fld>
             <a:endParaRPr lang="es-CO"/>
           </a:p>
@@ -2989,7 +2989,7 @@
           <a:p>
             <a:fld id="{C214C790-AC43-4046-BAB7-879940BCF0AB}" type="datetimeFigureOut">
               <a:rPr lang="es-CO" smtClean="0"/>
-              <a:t>3/05/20</a:t>
+              <a:t>3/05/2020</a:t>
             </a:fld>
             <a:endParaRPr lang="es-CO"/>
           </a:p>
@@ -3052,7 +3052,7 @@
           <a:p>
             <a:fld id="{566F944B-B6B4-43C3-BE7E-AF6D8C6774D1}" type="slidenum">
               <a:rPr lang="es-CO" smtClean="0"/>
-              <a:t>‹#›</a:t>
+              <a:t>‹Nº›</a:t>
             </a:fld>
             <a:endParaRPr lang="es-CO"/>
           </a:p>
@@ -3366,7 +3366,7 @@
           <a:p>
             <a:fld id="{C214C790-AC43-4046-BAB7-879940BCF0AB}" type="datetimeFigureOut">
               <a:rPr lang="es-CO" smtClean="0"/>
-              <a:t>3/05/20</a:t>
+              <a:t>3/05/2020</a:t>
             </a:fld>
             <a:endParaRPr lang="es-CO"/>
           </a:p>
@@ -3408,7 +3408,7 @@
           <a:p>
             <a:fld id="{566F944B-B6B4-43C3-BE7E-AF6D8C6774D1}" type="slidenum">
               <a:rPr lang="es-CO" smtClean="0"/>
-              <a:t>‹#›</a:t>
+              <a:t>‹Nº›</a:t>
             </a:fld>
             <a:endParaRPr lang="es-CO"/>
           </a:p>
@@ -3653,7 +3653,7 @@
           <a:p>
             <a:fld id="{C214C790-AC43-4046-BAB7-879940BCF0AB}" type="datetimeFigureOut">
               <a:rPr lang="es-CO" smtClean="0"/>
-              <a:t>3/05/20</a:t>
+              <a:t>3/05/2020</a:t>
             </a:fld>
             <a:endParaRPr lang="es-CO"/>
           </a:p>
@@ -3727,7 +3727,7 @@
           <a:p>
             <a:fld id="{566F944B-B6B4-43C3-BE7E-AF6D8C6774D1}" type="slidenum">
               <a:rPr lang="es-CO" smtClean="0"/>
-              <a:t>‹#›</a:t>
+              <a:t>‹Nº›</a:t>
             </a:fld>
             <a:endParaRPr lang="es-CO"/>
           </a:p>
@@ -4233,6 +4233,13 @@
   <p:clrMapOvr>
     <a:masterClrMapping/>
   </p:clrMapOvr>
+  <p:timing>
+    <p:tnLst>
+      <p:par>
+        <p:cTn id="1" dur="indefinite" restart="never" nodeType="tmRoot"/>
+      </p:par>
+    </p:tnLst>
+  </p:timing>
 </p:sld>
 </file>
 
@@ -5257,7 +5264,7 @@
           <p:nvPr/>
         </p:nvPicPr>
         <p:blipFill>
-          <a:blip r:embed="rId2">
+          <a:blip r:embed="rId2" cstate="print">
             <a:extLst>
               <a:ext uri="{28A0092B-C50C-407E-A947-70E740481C1C}">
                 <a14:useLocalDpi xmlns:a14="http://schemas.microsoft.com/office/drawing/2010/main" val="0"/>
@@ -5424,6 +5431,13 @@
   <p:clrMapOvr>
     <a:masterClrMapping/>
   </p:clrMapOvr>
+  <p:timing>
+    <p:tnLst>
+      <p:par>
+        <p:cTn id="1" dur="indefinite" restart="never" nodeType="tmRoot"/>
+      </p:par>
+    </p:tnLst>
+  </p:timing>
 </p:sld>
 </file>
 
@@ -6448,7 +6462,7 @@
           <p:nvPr/>
         </p:nvPicPr>
         <p:blipFill>
-          <a:blip r:embed="rId2">
+          <a:blip r:embed="rId2" cstate="print">
             <a:extLst>
               <a:ext uri="{28A0092B-C50C-407E-A947-70E740481C1C}">
                 <a14:useLocalDpi xmlns:a14="http://schemas.microsoft.com/office/drawing/2010/main" val="0"/>
@@ -6569,6 +6583,13 @@
   <p:clrMapOvr>
     <a:masterClrMapping/>
   </p:clrMapOvr>
+  <p:timing>
+    <p:tnLst>
+      <p:par>
+        <p:cTn id="1" dur="indefinite" restart="never" nodeType="tmRoot"/>
+      </p:par>
+    </p:tnLst>
+  </p:timing>
 </p:sld>
 </file>
 
@@ -7590,7 +7611,7 @@
           <p:nvPr/>
         </p:nvPicPr>
         <p:blipFill>
-          <a:blip r:embed="rId2">
+          <a:blip r:embed="rId2" cstate="print">
             <a:extLst>
               <a:ext uri="{28A0092B-C50C-407E-A947-70E740481C1C}">
                 <a14:useLocalDpi xmlns:a14="http://schemas.microsoft.com/office/drawing/2010/main" val="0"/>
@@ -7711,6 +7732,13 @@
   <p:clrMapOvr>
     <a:masterClrMapping/>
   </p:clrMapOvr>
+  <p:timing>
+    <p:tnLst>
+      <p:par>
+        <p:cTn id="1" dur="indefinite" restart="never" nodeType="tmRoot"/>
+      </p:par>
+    </p:tnLst>
+  </p:timing>
 </p:sld>
 </file>
 
@@ -8719,7 +8747,7 @@
           <p:nvPr/>
         </p:nvPicPr>
         <p:blipFill>
-          <a:blip r:embed="rId2">
+          <a:blip r:embed="rId2" cstate="print">
             <a:extLst>
               <a:ext uri="{28A0092B-C50C-407E-A947-70E740481C1C}">
                 <a14:useLocalDpi xmlns:a14="http://schemas.microsoft.com/office/drawing/2010/main" val="0"/>
@@ -8840,6 +8868,13 @@
   <p:clrMapOvr>
     <a:masterClrMapping/>
   </p:clrMapOvr>
+  <p:timing>
+    <p:tnLst>
+      <p:par>
+        <p:cTn id="1" dur="indefinite" restart="never" nodeType="tmRoot"/>
+      </p:par>
+    </p:tnLst>
+  </p:timing>
 </p:sld>
 </file>
 
@@ -9848,7 +9883,7 @@
           <p:nvPr/>
         </p:nvPicPr>
         <p:blipFill>
-          <a:blip r:embed="rId2">
+          <a:blip r:embed="rId2" cstate="print">
             <a:extLst>
               <a:ext uri="{28A0092B-C50C-407E-A947-70E740481C1C}">
                 <a14:useLocalDpi xmlns:a14="http://schemas.microsoft.com/office/drawing/2010/main" val="0"/>
@@ -10015,6 +10050,13 @@
   <p:clrMapOvr>
     <a:masterClrMapping/>
   </p:clrMapOvr>
+  <p:timing>
+    <p:tnLst>
+      <p:par>
+        <p:cTn id="1" dur="indefinite" restart="never" nodeType="tmRoot"/>
+      </p:par>
+    </p:tnLst>
+  </p:timing>
 </p:sld>
 </file>
 
@@ -11023,7 +11065,7 @@
           <p:nvPr/>
         </p:nvPicPr>
         <p:blipFill>
-          <a:blip r:embed="rId2">
+          <a:blip r:embed="rId2" cstate="print">
             <a:extLst>
               <a:ext uri="{28A0092B-C50C-407E-A947-70E740481C1C}">
                 <a14:useLocalDpi xmlns:a14="http://schemas.microsoft.com/office/drawing/2010/main" val="0"/>
@@ -11190,6 +11232,13 @@
   <p:clrMapOvr>
     <a:masterClrMapping/>
   </p:clrMapOvr>
+  <p:timing>
+    <p:tnLst>
+      <p:par>
+        <p:cTn id="1" dur="indefinite" restart="never" nodeType="tmRoot"/>
+      </p:par>
+    </p:tnLst>
+  </p:timing>
 </p:sld>
 </file>
 
@@ -12198,7 +12247,7 @@
           <p:nvPr/>
         </p:nvPicPr>
         <p:blipFill>
-          <a:blip r:embed="rId2">
+          <a:blip r:embed="rId2" cstate="print">
             <a:extLst>
               <a:ext uri="{28A0092B-C50C-407E-A947-70E740481C1C}">
                 <a14:useLocalDpi xmlns:a14="http://schemas.microsoft.com/office/drawing/2010/main" val="0"/>
@@ -12365,6 +12414,13 @@
   <p:clrMapOvr>
     <a:masterClrMapping/>
   </p:clrMapOvr>
+  <p:timing>
+    <p:tnLst>
+      <p:par>
+        <p:cTn id="1" dur="indefinite" restart="never" nodeType="tmRoot"/>
+      </p:par>
+    </p:tnLst>
+  </p:timing>
 </p:sld>
 </file>
 
@@ -13373,7 +13429,7 @@
           <p:nvPr/>
         </p:nvPicPr>
         <p:blipFill>
-          <a:blip r:embed="rId2">
+          <a:blip r:embed="rId2" cstate="print">
             <a:extLst>
               <a:ext uri="{28A0092B-C50C-407E-A947-70E740481C1C}">
                 <a14:useLocalDpi xmlns:a14="http://schemas.microsoft.com/office/drawing/2010/main" val="0"/>
@@ -13540,6 +13596,13 @@
   <p:clrMapOvr>
     <a:masterClrMapping/>
   </p:clrMapOvr>
+  <p:timing>
+    <p:tnLst>
+      <p:par>
+        <p:cTn id="1" dur="indefinite" restart="never" nodeType="tmRoot"/>
+      </p:par>
+    </p:tnLst>
+  </p:timing>
 </p:sld>
 </file>
 
@@ -14552,7 +14615,7 @@
           <p:nvPr/>
         </p:nvPicPr>
         <p:blipFill>
-          <a:blip r:embed="rId2">
+          <a:blip r:embed="rId2" cstate="print">
             <a:extLst>
               <a:ext uri="{28A0092B-C50C-407E-A947-70E740481C1C}">
                 <a14:useLocalDpi xmlns:a14="http://schemas.microsoft.com/office/drawing/2010/main" val="0"/>
@@ -14673,6 +14736,13 @@
   <p:clrMapOvr>
     <a:masterClrMapping/>
   </p:clrMapOvr>
+  <p:timing>
+    <p:tnLst>
+      <p:par>
+        <p:cTn id="1" dur="indefinite" restart="never" nodeType="tmRoot"/>
+      </p:par>
+    </p:tnLst>
+  </p:timing>
 </p:sld>
 </file>
 
@@ -15682,7 +15752,7 @@
           <p:nvPr/>
         </p:nvPicPr>
         <p:blipFill>
-          <a:blip r:embed="rId2">
+          <a:blip r:embed="rId2" cstate="print">
             <a:extLst>
               <a:ext uri="{28A0092B-C50C-407E-A947-70E740481C1C}">
                 <a14:useLocalDpi xmlns:a14="http://schemas.microsoft.com/office/drawing/2010/main" val="0"/>
@@ -15803,6 +15873,13 @@
   <p:clrMapOvr>
     <a:masterClrMapping/>
   </p:clrMapOvr>
+  <p:timing>
+    <p:tnLst>
+      <p:par>
+        <p:cTn id="1" dur="indefinite" restart="never" nodeType="tmRoot"/>
+      </p:par>
+    </p:tnLst>
+  </p:timing>
 </p:sld>
 </file>
 
@@ -15878,6 +15955,13 @@
   <p:clrMapOvr>
     <a:masterClrMapping/>
   </p:clrMapOvr>
+  <p:timing>
+    <p:tnLst>
+      <p:par>
+        <p:cTn id="1" dur="indefinite" restart="never" nodeType="tmRoot"/>
+      </p:par>
+    </p:tnLst>
+  </p:timing>
 </p:sld>
 </file>
 
@@ -15953,6 +16037,13 @@
   <p:clrMapOvr>
     <a:masterClrMapping/>
   </p:clrMapOvr>
+  <p:timing>
+    <p:tnLst>
+      <p:par>
+        <p:cTn id="1" dur="indefinite" restart="never" nodeType="tmRoot"/>
+      </p:par>
+    </p:tnLst>
+  </p:timing>
 </p:sld>
 </file>
 
@@ -16050,8 +16141,25 @@
             </a:r>
             <a:r>
               <a:rPr lang="en-US" dirty="0"/>
-              <a:t> el protocol HTTP.</a:t>
-            </a:r>
+              <a:t> </a:t>
+            </a:r>
+            <a:r>
+              <a:rPr lang="en-US" dirty="0" smtClean="0"/>
+              <a:t>la </a:t>
+            </a:r>
+            <a:r>
+              <a:rPr lang="en-US" dirty="0" err="1" smtClean="0"/>
+              <a:t>capa</a:t>
+            </a:r>
+            <a:r>
+              <a:rPr lang="en-US" dirty="0" smtClean="0"/>
+              <a:t> de </a:t>
+            </a:r>
+            <a:r>
+              <a:rPr lang="en-US" dirty="0" err="1" smtClean="0"/>
+              <a:t>aplicacion</a:t>
+            </a:r>
+            <a:endParaRPr lang="en-US" dirty="0"/>
           </a:p>
           <a:p>
             <a:endParaRPr lang="en-US" dirty="0"/>
@@ -16535,6 +16643,13 @@
   <p:clrMapOvr>
     <a:masterClrMapping/>
   </p:clrMapOvr>
+  <p:timing>
+    <p:tnLst>
+      <p:par>
+        <p:cTn id="1" dur="indefinite" restart="never" nodeType="tmRoot"/>
+      </p:par>
+    </p:tnLst>
+  </p:timing>
 </p:sld>
 </file>
 
@@ -17251,6 +17366,13 @@
   <p:clrMapOvr>
     <a:masterClrMapping/>
   </p:clrMapOvr>
+  <p:timing>
+    <p:tnLst>
+      <p:par>
+        <p:cTn id="1" dur="indefinite" restart="never" nodeType="tmRoot"/>
+      </p:par>
+    </p:tnLst>
+  </p:timing>
 </p:sld>
 </file>
 
@@ -17920,6 +18042,13 @@
   <p:clrMapOvr>
     <a:masterClrMapping/>
   </p:clrMapOvr>
+  <p:timing>
+    <p:tnLst>
+      <p:par>
+        <p:cTn id="1" dur="indefinite" restart="never" nodeType="tmRoot"/>
+      </p:par>
+    </p:tnLst>
+  </p:timing>
 </p:sld>
 </file>
 
@@ -18579,6 +18708,13 @@
   <p:clrMapOvr>
     <a:masterClrMapping/>
   </p:clrMapOvr>
+  <p:timing>
+    <p:tnLst>
+      <p:par>
+        <p:cTn id="1" dur="indefinite" restart="never" nodeType="tmRoot"/>
+      </p:par>
+    </p:tnLst>
+  </p:timing>
 </p:sld>
 </file>
 
@@ -19230,6 +19366,13 @@
   <p:clrMapOvr>
     <a:masterClrMapping/>
   </p:clrMapOvr>
+  <p:timing>
+    <p:tnLst>
+      <p:par>
+        <p:cTn id="1" dur="indefinite" restart="never" nodeType="tmRoot"/>
+      </p:par>
+    </p:tnLst>
+  </p:timing>
 </p:sld>
 </file>
 
@@ -20197,6 +20340,13 @@
   <p:clrMapOvr>
     <a:masterClrMapping/>
   </p:clrMapOvr>
+  <p:timing>
+    <p:tnLst>
+      <p:par>
+        <p:cTn id="1" dur="indefinite" restart="never" nodeType="tmRoot"/>
+      </p:par>
+    </p:tnLst>
+  </p:timing>
 </p:sld>
 </file>
 
@@ -21219,6 +21369,13 @@
   <p:clrMapOvr>
     <a:masterClrMapping/>
   </p:clrMapOvr>
+  <p:timing>
+    <p:tnLst>
+      <p:par>
+        <p:cTn id="1" dur="indefinite" restart="never" nodeType="tmRoot"/>
+      </p:par>
+    </p:tnLst>
+  </p:timing>
 </p:sld>
 </file>
 
@@ -22297,6 +22454,13 @@
   <p:clrMapOvr>
     <a:masterClrMapping/>
   </p:clrMapOvr>
+  <p:timing>
+    <p:tnLst>
+      <p:par>
+        <p:cTn id="1" dur="indefinite" restart="never" nodeType="tmRoot"/>
+      </p:par>
+    </p:tnLst>
+  </p:timing>
 </p:sld>
 </file>
 
@@ -23314,7 +23478,7 @@
           <p:nvPr/>
         </p:nvPicPr>
         <p:blipFill>
-          <a:blip r:embed="rId2">
+          <a:blip r:embed="rId2" cstate="print">
             <a:extLst>
               <a:ext uri="{28A0092B-C50C-407E-A947-70E740481C1C}">
                 <a14:useLocalDpi xmlns:a14="http://schemas.microsoft.com/office/drawing/2010/main" val="0"/>
@@ -23435,6 +23599,13 @@
   <p:clrMapOvr>
     <a:masterClrMapping/>
   </p:clrMapOvr>
+  <p:timing>
+    <p:tnLst>
+      <p:par>
+        <p:cTn id="1" dur="indefinite" restart="never" nodeType="tmRoot"/>
+      </p:par>
+    </p:tnLst>
+  </p:timing>
 </p:sld>
 </file>
 
@@ -24452,7 +24623,7 @@
           <p:nvPr/>
         </p:nvPicPr>
         <p:blipFill>
-          <a:blip r:embed="rId2">
+          <a:blip r:embed="rId2" cstate="print">
             <a:extLst>
               <a:ext uri="{28A0092B-C50C-407E-A947-70E740481C1C}">
                 <a14:useLocalDpi xmlns:a14="http://schemas.microsoft.com/office/drawing/2010/main" val="0"/>
@@ -24619,6 +24790,13 @@
   <p:clrMapOvr>
     <a:masterClrMapping/>
   </p:clrMapOvr>
+  <p:timing>
+    <p:tnLst>
+      <p:par>
+        <p:cTn id="1" dur="indefinite" restart="never" nodeType="tmRoot"/>
+      </p:par>
+    </p:tnLst>
+  </p:timing>
 </p:sld>
 </file>
 
@@ -25643,7 +25821,7 @@
           <p:nvPr/>
         </p:nvPicPr>
         <p:blipFill>
-          <a:blip r:embed="rId2">
+          <a:blip r:embed="rId2" cstate="print">
             <a:extLst>
               <a:ext uri="{28A0092B-C50C-407E-A947-70E740481C1C}">
                 <a14:useLocalDpi xmlns:a14="http://schemas.microsoft.com/office/drawing/2010/main" val="0"/>
@@ -25810,6 +25988,13 @@
   <p:clrMapOvr>
     <a:masterClrMapping/>
   </p:clrMapOvr>
+  <p:timing>
+    <p:tnLst>
+      <p:par>
+        <p:cTn id="1" dur="indefinite" restart="never" nodeType="tmRoot"/>
+      </p:par>
+    </p:tnLst>
+  </p:timing>
 </p:sld>
 </file>
 
@@ -26834,7 +27019,7 @@
           <p:nvPr/>
         </p:nvPicPr>
         <p:blipFill>
-          <a:blip r:embed="rId2">
+          <a:blip r:embed="rId2" cstate="print">
             <a:extLst>
               <a:ext uri="{28A0092B-C50C-407E-A947-70E740481C1C}">
                 <a14:useLocalDpi xmlns:a14="http://schemas.microsoft.com/office/drawing/2010/main" val="0"/>
@@ -27001,6 +27186,13 @@
   <p:clrMapOvr>
     <a:masterClrMapping/>
   </p:clrMapOvr>
+  <p:timing>
+    <p:tnLst>
+      <p:par>
+        <p:cTn id="1" dur="indefinite" restart="never" nodeType="tmRoot"/>
+      </p:par>
+    </p:tnLst>
+  </p:timing>
 </p:sld>
 </file>
 
